--- a/lab1/lab1.pptx
+++ b/lab1/lab1.pptx
@@ -243,7 +243,7 @@
           <a:p>
             <a:fld id="{3ABD9612-F53E-5945-9C8E-1F92400E66B2}" type="datetimeFigureOut">
               <a:rPr kumimoji="1" lang="zh-CN" altLang="en-US" smtClean="0"/>
-              <a:t>2024/3/6</a:t>
+              <a:t>2024/3/7</a:t>
             </a:fld>
             <a:endParaRPr kumimoji="1" lang="zh-CN" altLang="en-US"/>
           </a:p>
@@ -636,7 +636,7 @@
           <a:p>
             <a:fld id="{77880EBC-1F4F-064A-BCDA-A8702FD7B152}" type="datetimeFigureOut">
               <a:rPr kumimoji="1" lang="zh-CN" altLang="en-US" smtClean="0"/>
-              <a:t>2024/3/6</a:t>
+              <a:t>2024/3/7</a:t>
             </a:fld>
             <a:endParaRPr kumimoji="1" lang="zh-CN" altLang="en-US"/>
           </a:p>
@@ -801,7 +801,7 @@
           <a:p>
             <a:fld id="{77880EBC-1F4F-064A-BCDA-A8702FD7B152}" type="datetimeFigureOut">
               <a:rPr kumimoji="1" lang="zh-CN" altLang="en-US" smtClean="0"/>
-              <a:t>2024/3/6</a:t>
+              <a:t>2024/3/7</a:t>
             </a:fld>
             <a:endParaRPr kumimoji="1" lang="zh-CN" altLang="en-US"/>
           </a:p>
@@ -976,7 +976,7 @@
           <a:p>
             <a:fld id="{77880EBC-1F4F-064A-BCDA-A8702FD7B152}" type="datetimeFigureOut">
               <a:rPr kumimoji="1" lang="zh-CN" altLang="en-US" smtClean="0"/>
-              <a:t>2024/3/6</a:t>
+              <a:t>2024/3/7</a:t>
             </a:fld>
             <a:endParaRPr kumimoji="1" lang="zh-CN" altLang="en-US"/>
           </a:p>
@@ -1141,7 +1141,7 @@
           <a:p>
             <a:fld id="{77880EBC-1F4F-064A-BCDA-A8702FD7B152}" type="datetimeFigureOut">
               <a:rPr kumimoji="1" lang="zh-CN" altLang="en-US" smtClean="0"/>
-              <a:t>2024/3/6</a:t>
+              <a:t>2024/3/7</a:t>
             </a:fld>
             <a:endParaRPr kumimoji="1" lang="zh-CN" altLang="en-US"/>
           </a:p>
@@ -1382,7 +1382,7 @@
           <a:p>
             <a:fld id="{77880EBC-1F4F-064A-BCDA-A8702FD7B152}" type="datetimeFigureOut">
               <a:rPr kumimoji="1" lang="zh-CN" altLang="en-US" smtClean="0"/>
-              <a:t>2024/3/6</a:t>
+              <a:t>2024/3/7</a:t>
             </a:fld>
             <a:endParaRPr kumimoji="1" lang="zh-CN" altLang="en-US"/>
           </a:p>
@@ -1609,7 +1609,7 @@
           <a:p>
             <a:fld id="{77880EBC-1F4F-064A-BCDA-A8702FD7B152}" type="datetimeFigureOut">
               <a:rPr kumimoji="1" lang="zh-CN" altLang="en-US" smtClean="0"/>
-              <a:t>2024/3/6</a:t>
+              <a:t>2024/3/7</a:t>
             </a:fld>
             <a:endParaRPr kumimoji="1" lang="zh-CN" altLang="en-US"/>
           </a:p>
@@ -1971,7 +1971,7 @@
           <a:p>
             <a:fld id="{77880EBC-1F4F-064A-BCDA-A8702FD7B152}" type="datetimeFigureOut">
               <a:rPr kumimoji="1" lang="zh-CN" altLang="en-US" smtClean="0"/>
-              <a:t>2024/3/6</a:t>
+              <a:t>2024/3/7</a:t>
             </a:fld>
             <a:endParaRPr kumimoji="1" lang="zh-CN" altLang="en-US"/>
           </a:p>
@@ -2084,7 +2084,7 @@
           <a:p>
             <a:fld id="{77880EBC-1F4F-064A-BCDA-A8702FD7B152}" type="datetimeFigureOut">
               <a:rPr kumimoji="1" lang="zh-CN" altLang="en-US" smtClean="0"/>
-              <a:t>2024/3/6</a:t>
+              <a:t>2024/3/7</a:t>
             </a:fld>
             <a:endParaRPr kumimoji="1" lang="zh-CN" altLang="en-US"/>
           </a:p>
@@ -2174,7 +2174,7 @@
           <a:p>
             <a:fld id="{77880EBC-1F4F-064A-BCDA-A8702FD7B152}" type="datetimeFigureOut">
               <a:rPr kumimoji="1" lang="zh-CN" altLang="en-US" smtClean="0"/>
-              <a:t>2024/3/6</a:t>
+              <a:t>2024/3/7</a:t>
             </a:fld>
             <a:endParaRPr kumimoji="1" lang="zh-CN" altLang="en-US"/>
           </a:p>
@@ -2446,7 +2446,7 @@
           <a:p>
             <a:fld id="{77880EBC-1F4F-064A-BCDA-A8702FD7B152}" type="datetimeFigureOut">
               <a:rPr kumimoji="1" lang="zh-CN" altLang="en-US" smtClean="0"/>
-              <a:t>2024/3/6</a:t>
+              <a:t>2024/3/7</a:t>
             </a:fld>
             <a:endParaRPr kumimoji="1" lang="zh-CN" altLang="en-US"/>
           </a:p>
@@ -2698,7 +2698,7 @@
           <a:p>
             <a:fld id="{77880EBC-1F4F-064A-BCDA-A8702FD7B152}" type="datetimeFigureOut">
               <a:rPr kumimoji="1" lang="zh-CN" altLang="en-US" smtClean="0"/>
-              <a:t>2024/3/6</a:t>
+              <a:t>2024/3/7</a:t>
             </a:fld>
             <a:endParaRPr kumimoji="1" lang="zh-CN" altLang="en-US"/>
           </a:p>
@@ -2906,7 +2906,7 @@
           <a:p>
             <a:fld id="{77880EBC-1F4F-064A-BCDA-A8702FD7B152}" type="datetimeFigureOut">
               <a:rPr kumimoji="1" lang="zh-CN" altLang="en-US" smtClean="0"/>
-              <a:t>2024/3/6</a:t>
+              <a:t>2024/3/7</a:t>
             </a:fld>
             <a:endParaRPr kumimoji="1" lang="zh-CN" altLang="en-US"/>
           </a:p>
@@ -4165,7 +4165,27 @@
                 <a:latin typeface="兰亭黑-简 纤黑" charset="-122"/>
                 <a:ea typeface="兰亭黑-简 纤黑" charset="-122"/>
               </a:rPr>
-              <a:t>的分词结果，依据占据全文字数（去除标点及停用词）的概率</a:t>
+              <a:t>的分词结果，依据占据</a:t>
+            </a:r>
+            <a:r>
+              <a:rPr lang="zh-CN" altLang="en-US" sz="1400">
+                <a:solidFill>
+                  <a:srgbClr val="6C6E70"/>
+                </a:solidFill>
+                <a:latin typeface="兰亭黑-简 纤黑" charset="-122"/>
+                <a:ea typeface="兰亭黑-简 纤黑" charset="-122"/>
+              </a:rPr>
+              <a:t>全文分词总量（</a:t>
+            </a:r>
+            <a:r>
+              <a:rPr lang="zh-CN" altLang="en-US" sz="1400" dirty="0">
+                <a:solidFill>
+                  <a:srgbClr val="6C6E70"/>
+                </a:solidFill>
+                <a:latin typeface="兰亭黑-简 纤黑" charset="-122"/>
+                <a:ea typeface="兰亭黑-简 纤黑" charset="-122"/>
+              </a:rPr>
+              <a:t>去除标点及停用词）的概率</a:t>
             </a:r>
             <a:r>
               <a:rPr lang="zh-CN" altLang="en-US" sz="1400" b="1" dirty="0">
